--- a/IDPA/IDPA  - ISA - January 2019/Action Bay, B.pptx
+++ b/IDPA/IDPA  - ISA - January 2019/Action Bay, B.pptx
@@ -4304,7 +4304,7 @@
           <p:nvPr>
             <p:extLst>
               <p:ext uri="{D42A27DB-BD31-4B8C-83A1-F6EECF244321}">
-                <p14:modId xmlns:p14="http://schemas.microsoft.com/office/powerpoint/2010/main" val="2404062787"/>
+                <p14:modId xmlns:p14="http://schemas.microsoft.com/office/powerpoint/2010/main" val="2014587381"/>
               </p:ext>
             </p:extLst>
           </p:nvPr>
@@ -5134,8 +5134,35 @@
                           <a:ea typeface="ＭＳ Ｐゴシック" pitchFamily="-112" charset="-128"/>
                           <a:cs typeface="Times New Roman" pitchFamily="-112" charset="0"/>
                         </a:rPr>
-                        <a:t>ROUND COUNT:      18</a:t>
+                        <a:t>ROUND COUNT</a:t>
                       </a:r>
+                      <a:r>
+                        <a:rPr kumimoji="0" lang="en-US" sz="1100" b="1" i="0" u="none" strike="noStrike" cap="none" normalizeH="0" baseline="0">
+                          <a:ln>
+                            <a:noFill/>
+                          </a:ln>
+                          <a:solidFill>
+                            <a:schemeClr val="tx1"/>
+                          </a:solidFill>
+                          <a:effectLst/>
+                          <a:latin typeface="Arial" charset="0"/>
+                          <a:ea typeface="ＭＳ Ｐゴシック" pitchFamily="-112" charset="-128"/>
+                          <a:cs typeface="Times New Roman" pitchFamily="-112" charset="0"/>
+                        </a:rPr>
+                        <a:t>:      17</a:t>
+                      </a:r>
+                      <a:endParaRPr kumimoji="0" lang="en-US" sz="1100" b="1" i="0" u="none" strike="noStrike" cap="none" normalizeH="0" baseline="0" dirty="0">
+                        <a:ln>
+                          <a:noFill/>
+                        </a:ln>
+                        <a:solidFill>
+                          <a:schemeClr val="tx1"/>
+                        </a:solidFill>
+                        <a:effectLst/>
+                        <a:latin typeface="Arial" charset="0"/>
+                        <a:ea typeface="ＭＳ Ｐゴシック" pitchFamily="-112" charset="-128"/>
+                        <a:cs typeface="Times New Roman" pitchFamily="-112" charset="0"/>
+                      </a:endParaRPr>
                     </a:p>
                     <a:p>
                       <a:pPr marL="0" marR="0" lvl="0" indent="0" algn="l" defTabSz="966788" rtl="0" eaLnBrk="0" fontAlgn="base" latinLnBrk="0" hangingPunct="0">

--- a/IDPA/IDPA  - ISA - January 2019/Action Bay, B.pptx
+++ b/IDPA/IDPA  - ISA - January 2019/Action Bay, B.pptx
@@ -336,7 +336,7 @@
               <a:pPr>
                 <a:defRPr/>
               </a:pPr>
-              <a:t>23.12.2018</a:t>
+              <a:t>01.01.2019</a:t>
             </a:fld>
             <a:endParaRPr lang="en-US"/>
           </a:p>
@@ -4304,7 +4304,7 @@
           <p:nvPr>
             <p:extLst>
               <p:ext uri="{D42A27DB-BD31-4B8C-83A1-F6EECF244321}">
-                <p14:modId xmlns:p14="http://schemas.microsoft.com/office/powerpoint/2010/main" val="2014587381"/>
+                <p14:modId xmlns:p14="http://schemas.microsoft.com/office/powerpoint/2010/main" val="310253247"/>
               </p:ext>
             </p:extLst>
           </p:nvPr>
@@ -4908,37 +4908,7 @@
                           <a:ea typeface="ＭＳ Ｐゴシック" pitchFamily="-112" charset="-128"/>
                           <a:cs typeface="Times New Roman" pitchFamily="-112" charset="0"/>
                         </a:rPr>
-                        <a:t>START POSITION: Standing </a:t>
-                      </a:r>
-                      <a:r>
-                        <a:rPr kumimoji="0" lang="en-US" sz="1100" b="1" i="0" u="none" strike="noStrike" cap="none" normalizeH="0" baseline="0" dirty="0" err="1">
-                          <a:ln>
-                            <a:noFill/>
-                          </a:ln>
-                          <a:solidFill>
-                            <a:schemeClr val="tx1"/>
-                          </a:solidFill>
-                          <a:effectLst/>
-                          <a:latin typeface="Arial" charset="0"/>
-                          <a:ea typeface="ＭＳ Ｐゴシック" pitchFamily="-112" charset="-128"/>
-                          <a:cs typeface="Times New Roman" pitchFamily="-112" charset="0"/>
-                        </a:rPr>
-                        <a:t>squarly</a:t>
-                      </a:r>
-                      <a:r>
-                        <a:rPr kumimoji="0" lang="en-US" sz="1100" b="1" i="0" u="none" strike="noStrike" cap="none" normalizeH="0" baseline="0" dirty="0">
-                          <a:ln>
-                            <a:noFill/>
-                          </a:ln>
-                          <a:solidFill>
-                            <a:schemeClr val="tx1"/>
-                          </a:solidFill>
-                          <a:effectLst/>
-                          <a:latin typeface="Arial" charset="0"/>
-                          <a:ea typeface="ＭＳ Ｐゴシック" pitchFamily="-112" charset="-128"/>
-                          <a:cs typeface="Times New Roman" pitchFamily="-112" charset="0"/>
-                        </a:rPr>
-                        <a:t> at Start, palms flat on marks</a:t>
+                        <a:t>START POSITION: Standing squarely at Start, palms flat on marks</a:t>
                       </a:r>
                     </a:p>
                   </a:txBody>
@@ -17023,6 +16993,237 @@
           </p:txBody>
         </p:sp>
       </p:grpSp>
+      <p:grpSp>
+        <p:nvGrpSpPr>
+          <p:cNvPr id="135" name="Group 134">
+            <a:extLst>
+              <a:ext uri="{FF2B5EF4-FFF2-40B4-BE49-F238E27FC236}">
+                <a16:creationId xmlns:a16="http://schemas.microsoft.com/office/drawing/2014/main" id="{D489DB7A-A084-47D3-935E-C0DAF845D9D9}"/>
+              </a:ext>
+            </a:extLst>
+          </p:cNvPr>
+          <p:cNvGrpSpPr/>
+          <p:nvPr/>
+        </p:nvGrpSpPr>
+        <p:grpSpPr>
+          <a:xfrm>
+            <a:off x="6514086" y="8164684"/>
+            <a:ext cx="685800" cy="587829"/>
+            <a:chOff x="166468" y="7843451"/>
+            <a:chExt cx="685800" cy="587829"/>
+          </a:xfrm>
+        </p:grpSpPr>
+        <p:grpSp>
+          <p:nvGrpSpPr>
+            <p:cNvPr id="136" name="Group 135">
+              <a:extLst>
+                <a:ext uri="{FF2B5EF4-FFF2-40B4-BE49-F238E27FC236}">
+                  <a16:creationId xmlns:a16="http://schemas.microsoft.com/office/drawing/2014/main" id="{27599B63-3AD2-4564-8A3E-DA5E50564FBE}"/>
+                </a:ext>
+              </a:extLst>
+            </p:cNvPr>
+            <p:cNvGrpSpPr/>
+            <p:nvPr/>
+          </p:nvGrpSpPr>
+          <p:grpSpPr>
+            <a:xfrm>
+              <a:off x="381000" y="7843451"/>
+              <a:ext cx="246270" cy="304469"/>
+              <a:chOff x="439530" y="6246813"/>
+              <a:chExt cx="339943" cy="567994"/>
+            </a:xfrm>
+          </p:grpSpPr>
+          <p:sp>
+            <p:nvSpPr>
+              <p:cNvPr id="138" name="Isosceles Triangle 137">
+                <a:extLst>
+                  <a:ext uri="{FF2B5EF4-FFF2-40B4-BE49-F238E27FC236}">
+                    <a16:creationId xmlns:a16="http://schemas.microsoft.com/office/drawing/2014/main" id="{3BEBAD2A-2D7C-4185-8AC0-6903C41C74D0}"/>
+                  </a:ext>
+                </a:extLst>
+              </p:cNvPr>
+              <p:cNvSpPr/>
+              <p:nvPr/>
+            </p:nvSpPr>
+            <p:spPr>
+              <a:xfrm>
+                <a:off x="457200" y="6246813"/>
+                <a:ext cx="304800" cy="512683"/>
+              </a:xfrm>
+              <a:prstGeom prst="triangle">
+                <a:avLst/>
+              </a:prstGeom>
+              <a:solidFill>
+                <a:srgbClr val="FF0000"/>
+              </a:solidFill>
+              <a:ln>
+                <a:noFill/>
+              </a:ln>
+              <a:effectLst/>
+            </p:spPr>
+            <p:style>
+              <a:lnRef idx="1">
+                <a:schemeClr val="accent1"/>
+              </a:lnRef>
+              <a:fillRef idx="3">
+                <a:schemeClr val="accent1"/>
+              </a:fillRef>
+              <a:effectRef idx="2">
+                <a:schemeClr val="accent1"/>
+              </a:effectRef>
+              <a:fontRef idx="minor">
+                <a:schemeClr val="lt1"/>
+              </a:fontRef>
+            </p:style>
+            <p:txBody>
+              <a:bodyPr rtlCol="0" anchor="ctr"/>
+              <a:lstStyle/>
+              <a:p>
+                <a:pPr algn="ctr"/>
+                <a:endParaRPr lang="en-US"/>
+              </a:p>
+            </p:txBody>
+          </p:sp>
+          <p:sp>
+            <p:nvSpPr>
+              <p:cNvPr id="139" name="Rectangle 138">
+                <a:extLst>
+                  <a:ext uri="{FF2B5EF4-FFF2-40B4-BE49-F238E27FC236}">
+                    <a16:creationId xmlns:a16="http://schemas.microsoft.com/office/drawing/2014/main" id="{38215243-2022-48E8-AA22-14A66D16E504}"/>
+                  </a:ext>
+                </a:extLst>
+              </p:cNvPr>
+              <p:cNvSpPr/>
+              <p:nvPr/>
+            </p:nvSpPr>
+            <p:spPr>
+              <a:xfrm>
+                <a:off x="533400" y="6248400"/>
+                <a:ext cx="152400" cy="76121"/>
+              </a:xfrm>
+              <a:prstGeom prst="rect">
+                <a:avLst/>
+              </a:prstGeom>
+              <a:solidFill>
+                <a:schemeClr val="bg1"/>
+              </a:solidFill>
+              <a:ln>
+                <a:noFill/>
+              </a:ln>
+              <a:effectLst/>
+            </p:spPr>
+            <p:style>
+              <a:lnRef idx="1">
+                <a:schemeClr val="accent1"/>
+              </a:lnRef>
+              <a:fillRef idx="3">
+                <a:schemeClr val="accent1"/>
+              </a:fillRef>
+              <a:effectRef idx="2">
+                <a:schemeClr val="accent1"/>
+              </a:effectRef>
+              <a:fontRef idx="minor">
+                <a:schemeClr val="lt1"/>
+              </a:fontRef>
+            </p:style>
+            <p:txBody>
+              <a:bodyPr rtlCol="0" anchor="ctr"/>
+              <a:lstStyle/>
+              <a:p>
+                <a:pPr algn="ctr"/>
+                <a:endParaRPr lang="en-US"/>
+              </a:p>
+            </p:txBody>
+          </p:sp>
+          <p:sp>
+            <p:nvSpPr>
+              <p:cNvPr id="140" name="Rectangle 139">
+                <a:extLst>
+                  <a:ext uri="{FF2B5EF4-FFF2-40B4-BE49-F238E27FC236}">
+                    <a16:creationId xmlns:a16="http://schemas.microsoft.com/office/drawing/2014/main" id="{61FB235E-EF2B-4B4A-B18C-91D4AC121072}"/>
+                  </a:ext>
+                </a:extLst>
+              </p:cNvPr>
+              <p:cNvSpPr/>
+              <p:nvPr/>
+            </p:nvSpPr>
+            <p:spPr>
+              <a:xfrm>
+                <a:off x="439530" y="6738686"/>
+                <a:ext cx="339943" cy="76121"/>
+              </a:xfrm>
+              <a:prstGeom prst="rect">
+                <a:avLst/>
+              </a:prstGeom>
+              <a:solidFill>
+                <a:srgbClr val="FF0000"/>
+              </a:solidFill>
+              <a:ln>
+                <a:noFill/>
+              </a:ln>
+              <a:effectLst/>
+            </p:spPr>
+            <p:style>
+              <a:lnRef idx="1">
+                <a:schemeClr val="accent1"/>
+              </a:lnRef>
+              <a:fillRef idx="3">
+                <a:schemeClr val="accent1"/>
+              </a:fillRef>
+              <a:effectRef idx="2">
+                <a:schemeClr val="accent1"/>
+              </a:effectRef>
+              <a:fontRef idx="minor">
+                <a:schemeClr val="lt1"/>
+              </a:fontRef>
+            </p:style>
+            <p:txBody>
+              <a:bodyPr rtlCol="0" anchor="ctr"/>
+              <a:lstStyle/>
+              <a:p>
+                <a:pPr algn="ctr"/>
+                <a:endParaRPr lang="en-US"/>
+              </a:p>
+            </p:txBody>
+          </p:sp>
+        </p:grpSp>
+        <p:sp>
+          <p:nvSpPr>
+            <p:cNvPr id="137" name="TextBox 136">
+              <a:extLst>
+                <a:ext uri="{FF2B5EF4-FFF2-40B4-BE49-F238E27FC236}">
+                  <a16:creationId xmlns:a16="http://schemas.microsoft.com/office/drawing/2014/main" id="{D2F2A5C4-A296-4E21-B7B3-FA7742024C39}"/>
+                </a:ext>
+              </a:extLst>
+            </p:cNvPr>
+            <p:cNvSpPr txBox="1"/>
+            <p:nvPr/>
+          </p:nvSpPr>
+          <p:spPr>
+            <a:xfrm>
+              <a:off x="166468" y="8092726"/>
+              <a:ext cx="685800" cy="338554"/>
+            </a:xfrm>
+            <a:prstGeom prst="rect">
+              <a:avLst/>
+            </a:prstGeom>
+            <a:noFill/>
+          </p:spPr>
+          <p:txBody>
+            <a:bodyPr wrap="square" rtlCol="0">
+              <a:spAutoFit/>
+            </a:bodyPr>
+            <a:lstStyle/>
+            <a:p>
+              <a:pPr algn="ctr"/>
+              <a:r>
+                <a:rPr lang="en-US" sz="800" b="1" dirty="0"/>
+                <a:t>Muzzle safe cone</a:t>
+              </a:r>
+            </a:p>
+          </p:txBody>
+        </p:sp>
+      </p:grpSp>
     </p:spTree>
   </p:cSld>
   <p:clrMapOvr>
